--- a/PLPTH813Bioinformatis/2025/2_lab/lab06_trimBEDtools.pptx
+++ b/PLPTH813Bioinformatis/2025/2_lab/lab06_trimBEDtools.pptx
@@ -8720,8 +8720,8 @@
         </p:nvSpPr>
         <p:spPr>
           <a:xfrm>
-            <a:off x="628650" y="102376"/>
-            <a:ext cx="7886700" cy="643145"/>
+            <a:off x="628650" y="285750"/>
+            <a:ext cx="7886700" cy="685800"/>
           </a:xfrm>
         </p:spPr>
         <p:txBody>
@@ -8754,13 +8754,20 @@
             <p:ph idx="1"/>
           </p:nvPr>
         </p:nvSpPr>
-        <p:spPr/>
-        <p:txBody>
-          <a:bodyPr/>
-          <a:lstStyle/>
-          <a:p>
-            <a:r>
-              <a:rPr lang="en-US" dirty="0"/>
+        <p:spPr>
+          <a:xfrm>
+            <a:off x="280987" y="1254918"/>
+            <a:ext cx="8582025" cy="2821782"/>
+          </a:xfrm>
+        </p:spPr>
+        <p:txBody>
+          <a:bodyPr>
+            <a:normAutofit/>
+          </a:bodyPr>
+          <a:lstStyle/>
+          <a:p>
+            <a:r>
+              <a:rPr lang="en-US" sz="2800" dirty="0"/>
               <a:t>BED</a:t>
             </a:r>
           </a:p>
@@ -8769,19 +8776,165 @@
               <a:buNone/>
             </a:pPr>
             <a:r>
-              <a:rPr lang="en-US" dirty="0" err="1"/>
+              <a:rPr lang="en-US" sz="2400" dirty="0" err="1">
+                <a:latin typeface="Courier New" panose="02070309020205020404" pitchFamily="49" charset="0"/>
+                <a:cs typeface="Courier New" panose="02070309020205020404" pitchFamily="49" charset="0"/>
+              </a:rPr>
               <a:t>wget</a:t>
             </a:r>
             <a:r>
-              <a:rPr lang="en-US" dirty="0"/>
+              <a:rPr lang="en-US" sz="2400" dirty="0">
+                <a:latin typeface="Courier New" panose="02070309020205020404" pitchFamily="49" charset="0"/>
+                <a:cs typeface="Courier New" panose="02070309020205020404" pitchFamily="49" charset="0"/>
+              </a:rPr>
               <a:t> </a:t>
             </a:r>
-          </a:p>
-          <a:p>
-            <a:r>
-              <a:rPr lang="en-US" dirty="0"/>
+            <a:r>
+              <a:rPr lang="en-US" sz="800" dirty="0">
+                <a:latin typeface="Courier New" panose="02070309020205020404" pitchFamily="49" charset="0"/>
+                <a:cs typeface="Courier New" panose="02070309020205020404" pitchFamily="49" charset="0"/>
+              </a:rPr>
+              <a:t>https://</a:t>
+            </a:r>
+            <a:r>
+              <a:rPr lang="en-US" sz="800" dirty="0" err="1">
+                <a:latin typeface="Courier New" panose="02070309020205020404" pitchFamily="49" charset="0"/>
+                <a:cs typeface="Courier New" panose="02070309020205020404" pitchFamily="49" charset="0"/>
+              </a:rPr>
+              <a:t>github.com</a:t>
+            </a:r>
+            <a:r>
+              <a:rPr lang="en-US" sz="800" dirty="0">
+                <a:latin typeface="Courier New" panose="02070309020205020404" pitchFamily="49" charset="0"/>
+                <a:cs typeface="Courier New" panose="02070309020205020404" pitchFamily="49" charset="0"/>
+              </a:rPr>
+              <a:t>/liu3zhenlab/teaching/raw/refs/heads/master/PLPTH813Bioinformatis/2025/3_data/lab06_Bedtools/</a:t>
+            </a:r>
+            <a:r>
+              <a:rPr lang="en-US" sz="800" dirty="0" err="1">
+                <a:latin typeface="Courier New" panose="02070309020205020404" pitchFamily="49" charset="0"/>
+                <a:cs typeface="Courier New" panose="02070309020205020404" pitchFamily="49" charset="0"/>
+              </a:rPr>
+              <a:t>gene.bed</a:t>
+            </a:r>
+            <a:endParaRPr lang="en-US" sz="800" dirty="0">
+              <a:latin typeface="Courier New" panose="02070309020205020404" pitchFamily="49" charset="0"/>
+              <a:cs typeface="Courier New" panose="02070309020205020404" pitchFamily="49" charset="0"/>
+            </a:endParaRPr>
+          </a:p>
+          <a:p>
+            <a:pPr marL="0" indent="0">
+              <a:buNone/>
+            </a:pPr>
+            <a:endParaRPr lang="en-US" dirty="0"/>
+          </a:p>
+          <a:p>
+            <a:r>
+              <a:rPr lang="en-US" sz="2800" dirty="0"/>
               <a:t>BAM (alignment)</a:t>
             </a:r>
+          </a:p>
+          <a:p>
+            <a:pPr marL="0" indent="0">
+              <a:buNone/>
+            </a:pPr>
+            <a:r>
+              <a:rPr lang="en-US" sz="2400" dirty="0" err="1">
+                <a:latin typeface="Courier New" panose="02070309020205020404" pitchFamily="49" charset="0"/>
+                <a:cs typeface="Courier New" panose="02070309020205020404" pitchFamily="49" charset="0"/>
+              </a:rPr>
+              <a:t>wget</a:t>
+            </a:r>
+            <a:r>
+              <a:rPr lang="en-US" sz="2400" dirty="0">
+                <a:latin typeface="Courier New" panose="02070309020205020404" pitchFamily="49" charset="0"/>
+                <a:cs typeface="Courier New" panose="02070309020205020404" pitchFamily="49" charset="0"/>
+              </a:rPr>
+              <a:t> </a:t>
+            </a:r>
+            <a:r>
+              <a:rPr lang="en-US" sz="800" dirty="0">
+                <a:latin typeface="Courier New" panose="02070309020205020404" pitchFamily="49" charset="0"/>
+                <a:cs typeface="Courier New" panose="02070309020205020404" pitchFamily="49" charset="0"/>
+              </a:rPr>
+              <a:t>https://</a:t>
+            </a:r>
+            <a:r>
+              <a:rPr lang="en-US" sz="800" dirty="0" err="1">
+                <a:latin typeface="Courier New" panose="02070309020205020404" pitchFamily="49" charset="0"/>
+                <a:cs typeface="Courier New" panose="02070309020205020404" pitchFamily="49" charset="0"/>
+              </a:rPr>
+              <a:t>github.com</a:t>
+            </a:r>
+            <a:r>
+              <a:rPr lang="en-US" sz="800" dirty="0">
+                <a:latin typeface="Courier New" panose="02070309020205020404" pitchFamily="49" charset="0"/>
+                <a:cs typeface="Courier New" panose="02070309020205020404" pitchFamily="49" charset="0"/>
+              </a:rPr>
+              <a:t>/liu3zhenlab/teaching/raw/refs/heads/master/PLPTH813Bioinformatis/2025/3_data/lab06_Bedtools/</a:t>
+            </a:r>
+            <a:r>
+              <a:rPr lang="en-US" sz="800" dirty="0" err="1">
+                <a:latin typeface="Courier New" panose="02070309020205020404" pitchFamily="49" charset="0"/>
+                <a:cs typeface="Courier New" panose="02070309020205020404" pitchFamily="49" charset="0"/>
+              </a:rPr>
+              <a:t>aln.bam</a:t>
+            </a:r>
+            <a:endParaRPr lang="en-US" sz="800" dirty="0">
+              <a:latin typeface="Courier New" panose="02070309020205020404" pitchFamily="49" charset="0"/>
+              <a:cs typeface="Courier New" panose="02070309020205020404" pitchFamily="49" charset="0"/>
+            </a:endParaRPr>
+          </a:p>
+          <a:p>
+            <a:pPr marL="0" indent="0">
+              <a:buNone/>
+            </a:pPr>
+            <a:r>
+              <a:rPr lang="en-US" sz="2400" dirty="0" err="1">
+                <a:latin typeface="Courier New" panose="02070309020205020404" pitchFamily="49" charset="0"/>
+                <a:cs typeface="Courier New" panose="02070309020205020404" pitchFamily="49" charset="0"/>
+              </a:rPr>
+              <a:t>wget</a:t>
+            </a:r>
+            <a:r>
+              <a:rPr lang="en-US" sz="2400" dirty="0">
+                <a:latin typeface="Courier New" panose="02070309020205020404" pitchFamily="49" charset="0"/>
+                <a:cs typeface="Courier New" panose="02070309020205020404" pitchFamily="49" charset="0"/>
+              </a:rPr>
+              <a:t> </a:t>
+            </a:r>
+            <a:r>
+              <a:rPr lang="en-US" sz="800" dirty="0">
+                <a:latin typeface="Courier New" panose="02070309020205020404" pitchFamily="49" charset="0"/>
+                <a:cs typeface="Courier New" panose="02070309020205020404" pitchFamily="49" charset="0"/>
+              </a:rPr>
+              <a:t>https://</a:t>
+            </a:r>
+            <a:r>
+              <a:rPr lang="en-US" sz="800" dirty="0" err="1">
+                <a:latin typeface="Courier New" panose="02070309020205020404" pitchFamily="49" charset="0"/>
+                <a:cs typeface="Courier New" panose="02070309020205020404" pitchFamily="49" charset="0"/>
+              </a:rPr>
+              <a:t>github.com</a:t>
+            </a:r>
+            <a:r>
+              <a:rPr lang="en-US" sz="800" dirty="0">
+                <a:latin typeface="Courier New" panose="02070309020205020404" pitchFamily="49" charset="0"/>
+                <a:cs typeface="Courier New" panose="02070309020205020404" pitchFamily="49" charset="0"/>
+              </a:rPr>
+              <a:t>/liu3zhenlab/teaching/raw/refs/heads/master/PLPTH813Bioinformatis/2025/3_data/lab06_Bedtools/</a:t>
+            </a:r>
+            <a:r>
+              <a:rPr lang="en-US" sz="800" dirty="0" err="1">
+                <a:latin typeface="Courier New" panose="02070309020205020404" pitchFamily="49" charset="0"/>
+                <a:cs typeface="Courier New" panose="02070309020205020404" pitchFamily="49" charset="0"/>
+              </a:rPr>
+              <a:t>aln.bam.bai</a:t>
+            </a:r>
+            <a:endParaRPr lang="en-US" sz="800" dirty="0">
+              <a:latin typeface="Courier New" panose="02070309020205020404" pitchFamily="49" charset="0"/>
+              <a:cs typeface="Courier New" panose="02070309020205020404" pitchFamily="49" charset="0"/>
+            </a:endParaRPr>
           </a:p>
         </p:txBody>
       </p:sp>

--- a/PLPTH813Bioinformatis/2025/2_lab/lab06_trimBEDtools.pptx
+++ b/PLPTH813Bioinformatis/2025/2_lab/lab06_trimBEDtools.pptx
@@ -223,7 +223,7 @@
           <a:p>
             <a:fld id="{B392CAC3-BC96-1B48-ABA7-081ADDC031DF}" type="datetimeFigureOut">
               <a:rPr lang="en-US" smtClean="0"/>
-              <a:t>2/26/25</a:t>
+              <a:t>2/27/25</a:t>
             </a:fld>
             <a:endParaRPr lang="en-US"/>
           </a:p>
@@ -1286,7 +1286,7 @@
           <a:p>
             <a:fld id="{E5230AC4-D4BA-D14E-BFAC-9F8211D28A16}" type="datetimeFigureOut">
               <a:rPr lang="en-US" smtClean="0"/>
-              <a:t>2/26/25</a:t>
+              <a:t>2/27/25</a:t>
             </a:fld>
             <a:endParaRPr lang="en-US"/>
           </a:p>
@@ -1456,7 +1456,7 @@
           <a:p>
             <a:fld id="{E5230AC4-D4BA-D14E-BFAC-9F8211D28A16}" type="datetimeFigureOut">
               <a:rPr lang="en-US" smtClean="0"/>
-              <a:t>2/26/25</a:t>
+              <a:t>2/27/25</a:t>
             </a:fld>
             <a:endParaRPr lang="en-US"/>
           </a:p>
@@ -1636,7 +1636,7 @@
           <a:p>
             <a:fld id="{E5230AC4-D4BA-D14E-BFAC-9F8211D28A16}" type="datetimeFigureOut">
               <a:rPr lang="en-US" smtClean="0"/>
-              <a:t>2/26/25</a:t>
+              <a:t>2/27/25</a:t>
             </a:fld>
             <a:endParaRPr lang="en-US"/>
           </a:p>
@@ -1806,7 +1806,7 @@
           <a:p>
             <a:fld id="{E5230AC4-D4BA-D14E-BFAC-9F8211D28A16}" type="datetimeFigureOut">
               <a:rPr lang="en-US" smtClean="0"/>
-              <a:t>2/26/25</a:t>
+              <a:t>2/27/25</a:t>
             </a:fld>
             <a:endParaRPr lang="en-US"/>
           </a:p>
@@ -2052,7 +2052,7 @@
           <a:p>
             <a:fld id="{E5230AC4-D4BA-D14E-BFAC-9F8211D28A16}" type="datetimeFigureOut">
               <a:rPr lang="en-US" smtClean="0"/>
-              <a:t>2/26/25</a:t>
+              <a:t>2/27/25</a:t>
             </a:fld>
             <a:endParaRPr lang="en-US"/>
           </a:p>
@@ -2284,7 +2284,7 @@
           <a:p>
             <a:fld id="{E5230AC4-D4BA-D14E-BFAC-9F8211D28A16}" type="datetimeFigureOut">
               <a:rPr lang="en-US" smtClean="0"/>
-              <a:t>2/26/25</a:t>
+              <a:t>2/27/25</a:t>
             </a:fld>
             <a:endParaRPr lang="en-US"/>
           </a:p>
@@ -2651,7 +2651,7 @@
           <a:p>
             <a:fld id="{E5230AC4-D4BA-D14E-BFAC-9F8211D28A16}" type="datetimeFigureOut">
               <a:rPr lang="en-US" smtClean="0"/>
-              <a:t>2/26/25</a:t>
+              <a:t>2/27/25</a:t>
             </a:fld>
             <a:endParaRPr lang="en-US"/>
           </a:p>
@@ -2769,7 +2769,7 @@
           <a:p>
             <a:fld id="{E5230AC4-D4BA-D14E-BFAC-9F8211D28A16}" type="datetimeFigureOut">
               <a:rPr lang="en-US" smtClean="0"/>
-              <a:t>2/26/25</a:t>
+              <a:t>2/27/25</a:t>
             </a:fld>
             <a:endParaRPr lang="en-US"/>
           </a:p>
@@ -2864,7 +2864,7 @@
           <a:p>
             <a:fld id="{E5230AC4-D4BA-D14E-BFAC-9F8211D28A16}" type="datetimeFigureOut">
               <a:rPr lang="en-US" smtClean="0"/>
-              <a:t>2/26/25</a:t>
+              <a:t>2/27/25</a:t>
             </a:fld>
             <a:endParaRPr lang="en-US"/>
           </a:p>
@@ -3141,7 +3141,7 @@
           <a:p>
             <a:fld id="{E5230AC4-D4BA-D14E-BFAC-9F8211D28A16}" type="datetimeFigureOut">
               <a:rPr lang="en-US" smtClean="0"/>
-              <a:t>2/26/25</a:t>
+              <a:t>2/27/25</a:t>
             </a:fld>
             <a:endParaRPr lang="en-US"/>
           </a:p>
@@ -3398,7 +3398,7 @@
           <a:p>
             <a:fld id="{E5230AC4-D4BA-D14E-BFAC-9F8211D28A16}" type="datetimeFigureOut">
               <a:rPr lang="en-US" smtClean="0"/>
-              <a:t>2/26/25</a:t>
+              <a:t>2/27/25</a:t>
             </a:fld>
             <a:endParaRPr lang="en-US"/>
           </a:p>
@@ -3611,7 +3611,7 @@
           <a:p>
             <a:fld id="{E5230AC4-D4BA-D14E-BFAC-9F8211D28A16}" type="datetimeFigureOut">
               <a:rPr lang="en-US" smtClean="0"/>
-              <a:t>2/26/25</a:t>
+              <a:t>2/27/25</a:t>
             </a:fld>
             <a:endParaRPr lang="en-US"/>
           </a:p>
@@ -4708,7 +4708,7 @@
                 </a:solidFill>
                 <a:latin typeface="Courier" pitchFamily="2" charset="0"/>
               </a:rPr>
-              <a:t>BEDtools</a:t>
+              <a:t>BEDTools</a:t>
             </a:r>
             <a:endParaRPr lang="en-US" sz="2800" b="1" dirty="0">
               <a:solidFill>
@@ -4876,7 +4876,7 @@
                 <a:latin typeface="Courier New" panose="02070309020205020404" pitchFamily="49" charset="0"/>
                 <a:cs typeface="Courier New" panose="02070309020205020404" pitchFamily="49" charset="0"/>
               </a:rPr>
-              <a:t>BEDtools</a:t>
+              <a:t>BEDTools</a:t>
             </a:r>
             <a:endParaRPr lang="en-US" sz="2800" dirty="0">
               <a:latin typeface="Courier New" panose="02070309020205020404" pitchFamily="49" charset="0"/>
@@ -5003,7 +5003,7 @@
                 </a:solidFill>
                 <a:latin typeface="Courier" pitchFamily="2" charset="0"/>
               </a:rPr>
-              <a:t>BEDtools</a:t>
+              <a:t>BEDTools</a:t>
             </a:r>
             <a:endParaRPr lang="en-US" sz="2400" dirty="0">
               <a:solidFill>
@@ -5622,7 +5622,7 @@
                 </a:solidFill>
                 <a:latin typeface="Courier" pitchFamily="2" charset="0"/>
               </a:rPr>
-              <a:t>BEDtools</a:t>
+              <a:t>BEDTools</a:t>
             </a:r>
             <a:endParaRPr lang="en-US" sz="2400" dirty="0">
               <a:solidFill>
@@ -6973,7 +6973,7 @@
                 <a:latin typeface="Courier New" panose="02070309020205020404" pitchFamily="49" charset="0"/>
                 <a:cs typeface="Courier New" panose="02070309020205020404" pitchFamily="49" charset="0"/>
               </a:rPr>
-              <a:t>a.bed</a:t>
+              <a:t>b.bed</a:t>
             </a:r>
             <a:endParaRPr lang="en-US" sz="800" dirty="0">
               <a:latin typeface="Courier New" panose="02070309020205020404" pitchFamily="49" charset="0"/>
